--- a/Research methods in computing/assignment/Constructivist Research Philosophy in Computer Science.pptx
+++ b/Research methods in computing/assignment/Constructivist Research Philosophy in Computer Science.pptx
@@ -11,6 +11,7 @@
     <p:sldId id="259" r:id="rId5"/>
     <p:sldId id="260" r:id="rId6"/>
     <p:sldId id="261" r:id="rId7"/>
+    <p:sldId id="262" r:id="rId8"/>
   </p:sldIdLst>
   <p:sldSz cx="12192000" cy="6858000"/>
   <p:notesSz cx="6858000" cy="9144000"/>
@@ -109,6 +110,11 @@
       </a:defRPr>
     </a:lvl9pPr>
   </p:defaultTextStyle>
+  <p:extLst>
+    <p:ext uri="{EFAFB233-063F-42B5-8137-9DF3F51BA10A}">
+      <p15:sldGuideLst xmlns:p15="http://schemas.microsoft.com/office/powerpoint/2012/main"/>
+    </p:ext>
+  </p:extLst>
 </p:presentation>
 </file>
 
@@ -259,7 +265,7 @@
           <a:p>
             <a:fld id="{BB2AEA44-A8F9-4E90-A540-73BE84D884D6}" type="datetimeFigureOut">
               <a:rPr lang="en-US" smtClean="0"/>
-              <a:t>2/18/2025</a:t>
+              <a:t>3/4/2025</a:t>
             </a:fld>
             <a:endParaRPr lang="en-US"/>
           </a:p>
@@ -457,7 +463,7 @@
           <a:p>
             <a:fld id="{BB2AEA44-A8F9-4E90-A540-73BE84D884D6}" type="datetimeFigureOut">
               <a:rPr lang="en-US" smtClean="0"/>
-              <a:t>2/18/2025</a:t>
+              <a:t>3/4/2025</a:t>
             </a:fld>
             <a:endParaRPr lang="en-US"/>
           </a:p>
@@ -665,7 +671,7 @@
           <a:p>
             <a:fld id="{BB2AEA44-A8F9-4E90-A540-73BE84D884D6}" type="datetimeFigureOut">
               <a:rPr lang="en-US" smtClean="0"/>
-              <a:t>2/18/2025</a:t>
+              <a:t>3/4/2025</a:t>
             </a:fld>
             <a:endParaRPr lang="en-US"/>
           </a:p>
@@ -863,7 +869,7 @@
           <a:p>
             <a:fld id="{BB2AEA44-A8F9-4E90-A540-73BE84D884D6}" type="datetimeFigureOut">
               <a:rPr lang="en-US" smtClean="0"/>
-              <a:t>2/18/2025</a:t>
+              <a:t>3/4/2025</a:t>
             </a:fld>
             <a:endParaRPr lang="en-US"/>
           </a:p>
@@ -1138,7 +1144,7 @@
           <a:p>
             <a:fld id="{BB2AEA44-A8F9-4E90-A540-73BE84D884D6}" type="datetimeFigureOut">
               <a:rPr lang="en-US" smtClean="0"/>
-              <a:t>2/18/2025</a:t>
+              <a:t>3/4/2025</a:t>
             </a:fld>
             <a:endParaRPr lang="en-US"/>
           </a:p>
@@ -1403,7 +1409,7 @@
           <a:p>
             <a:fld id="{BB2AEA44-A8F9-4E90-A540-73BE84D884D6}" type="datetimeFigureOut">
               <a:rPr lang="en-US" smtClean="0"/>
-              <a:t>2/18/2025</a:t>
+              <a:t>3/4/2025</a:t>
             </a:fld>
             <a:endParaRPr lang="en-US"/>
           </a:p>
@@ -1815,7 +1821,7 @@
           <a:p>
             <a:fld id="{BB2AEA44-A8F9-4E90-A540-73BE84D884D6}" type="datetimeFigureOut">
               <a:rPr lang="en-US" smtClean="0"/>
-              <a:t>2/18/2025</a:t>
+              <a:t>3/4/2025</a:t>
             </a:fld>
             <a:endParaRPr lang="en-US"/>
           </a:p>
@@ -1956,7 +1962,7 @@
           <a:p>
             <a:fld id="{BB2AEA44-A8F9-4E90-A540-73BE84D884D6}" type="datetimeFigureOut">
               <a:rPr lang="en-US" smtClean="0"/>
-              <a:t>2/18/2025</a:t>
+              <a:t>3/4/2025</a:t>
             </a:fld>
             <a:endParaRPr lang="en-US"/>
           </a:p>
@@ -2069,7 +2075,7 @@
           <a:p>
             <a:fld id="{BB2AEA44-A8F9-4E90-A540-73BE84D884D6}" type="datetimeFigureOut">
               <a:rPr lang="en-US" smtClean="0"/>
-              <a:t>2/18/2025</a:t>
+              <a:t>3/4/2025</a:t>
             </a:fld>
             <a:endParaRPr lang="en-US"/>
           </a:p>
@@ -2380,7 +2386,7 @@
           <a:p>
             <a:fld id="{BB2AEA44-A8F9-4E90-A540-73BE84D884D6}" type="datetimeFigureOut">
               <a:rPr lang="en-US" smtClean="0"/>
-              <a:t>2/18/2025</a:t>
+              <a:t>3/4/2025</a:t>
             </a:fld>
             <a:endParaRPr lang="en-US"/>
           </a:p>
@@ -2668,7 +2674,7 @@
           <a:p>
             <a:fld id="{BB2AEA44-A8F9-4E90-A540-73BE84D884D6}" type="datetimeFigureOut">
               <a:rPr lang="en-US" smtClean="0"/>
-              <a:t>2/18/2025</a:t>
+              <a:t>3/4/2025</a:t>
             </a:fld>
             <a:endParaRPr lang="en-US"/>
           </a:p>
@@ -2909,7 +2915,7 @@
           <a:p>
             <a:fld id="{BB2AEA44-A8F9-4E90-A540-73BE84D884D6}" type="datetimeFigureOut">
               <a:rPr lang="en-US" smtClean="0"/>
-              <a:t>2/18/2025</a:t>
+              <a:t>3/4/2025</a:t>
             </a:fld>
             <a:endParaRPr lang="en-US"/>
           </a:p>
@@ -5748,6 +5754,408 @@
 </p:sld>
 </file>
 
+<file path=ppt/slides/slide7.xml><?xml version="1.0" encoding="utf-8"?>
+<p:sld xmlns:a="http://schemas.openxmlformats.org/drawingml/2006/main" xmlns:r="http://schemas.openxmlformats.org/officeDocument/2006/relationships" xmlns:p="http://schemas.openxmlformats.org/presentationml/2006/main">
+  <p:cSld>
+    <p:spTree>
+      <p:nvGrpSpPr>
+        <p:cNvPr id="1" name=""/>
+        <p:cNvGrpSpPr/>
+        <p:nvPr/>
+      </p:nvGrpSpPr>
+      <p:grpSpPr>
+        <a:xfrm>
+          <a:off x="0" y="0"/>
+          <a:ext cx="0" cy="0"/>
+          <a:chOff x="0" y="0"/>
+          <a:chExt cx="0" cy="0"/>
+        </a:xfrm>
+      </p:grpSpPr>
+      <p:sp>
+        <p:nvSpPr>
+          <p:cNvPr id="2" name="Title 1">
+            <a:extLst>
+              <a:ext uri="{FF2B5EF4-FFF2-40B4-BE49-F238E27FC236}">
+                <a16:creationId xmlns:a16="http://schemas.microsoft.com/office/drawing/2014/main" id="{034D911B-647C-6AE8-2799-48745E20E6F5}"/>
+              </a:ext>
+            </a:extLst>
+          </p:cNvPr>
+          <p:cNvSpPr>
+            <a:spLocks noGrp="1"/>
+          </p:cNvSpPr>
+          <p:nvPr>
+            <p:ph type="title"/>
+          </p:nvPr>
+        </p:nvSpPr>
+        <p:spPr>
+          <a:xfrm>
+            <a:off x="318083" y="88289"/>
+            <a:ext cx="2576119" cy="490552"/>
+          </a:xfrm>
+        </p:spPr>
+        <p:txBody>
+          <a:bodyPr>
+            <a:normAutofit/>
+          </a:bodyPr>
+          <a:lstStyle/>
+          <a:p>
+            <a:r>
+              <a:rPr lang="en-US" sz="2400" dirty="0"/>
+              <a:t>References</a:t>
+            </a:r>
+          </a:p>
+        </p:txBody>
+      </p:sp>
+      <p:sp>
+        <p:nvSpPr>
+          <p:cNvPr id="3" name="Content Placeholder 2">
+            <a:extLst>
+              <a:ext uri="{FF2B5EF4-FFF2-40B4-BE49-F238E27FC236}">
+                <a16:creationId xmlns:a16="http://schemas.microsoft.com/office/drawing/2014/main" id="{A2E4EBE4-05DC-0077-31A5-444076DB2FC7}"/>
+              </a:ext>
+            </a:extLst>
+          </p:cNvPr>
+          <p:cNvSpPr>
+            <a:spLocks noGrp="1"/>
+          </p:cNvSpPr>
+          <p:nvPr>
+            <p:ph idx="1"/>
+          </p:nvPr>
+        </p:nvSpPr>
+        <p:spPr>
+          <a:xfrm>
+            <a:off x="318083" y="1087828"/>
+            <a:ext cx="11745286" cy="565237"/>
+          </a:xfrm>
+        </p:spPr>
+        <p:txBody>
+          <a:bodyPr>
+            <a:normAutofit/>
+          </a:bodyPr>
+          <a:lstStyle/>
+          <a:p>
+            <a:pPr marL="0" indent="0">
+              <a:buNone/>
+            </a:pPr>
+            <a:r>
+              <a:rPr lang="en-US" sz="1200" b="0" i="0" dirty="0" err="1">
+                <a:solidFill>
+                  <a:srgbClr val="2E414F"/>
+                </a:solidFill>
+                <a:effectLst/>
+                <a:hlinkClick r:id="rId2"/>
+              </a:rPr>
+              <a:t>Dinata</a:t>
+            </a:r>
+            <a:r>
+              <a:rPr lang="en-US" sz="1200" b="0" i="0" dirty="0">
+                <a:solidFill>
+                  <a:srgbClr val="2E414F"/>
+                </a:solidFill>
+                <a:effectLst/>
+                <a:hlinkClick r:id="rId2"/>
+              </a:rPr>
+              <a:t>, D.S., Juan Andika </a:t>
+            </a:r>
+            <a:r>
+              <a:rPr lang="en-US" sz="1200" b="0" i="0" dirty="0" err="1">
+                <a:solidFill>
+                  <a:srgbClr val="2E414F"/>
+                </a:solidFill>
+                <a:effectLst/>
+                <a:hlinkClick r:id="rId2"/>
+              </a:rPr>
+              <a:t>Manuputty</a:t>
+            </a:r>
+            <a:r>
+              <a:rPr lang="en-US" sz="1200" b="0" i="0" dirty="0">
+                <a:solidFill>
+                  <a:srgbClr val="2E414F"/>
+                </a:solidFill>
+                <a:effectLst/>
+                <a:hlinkClick r:id="rId2"/>
+              </a:rPr>
+              <a:t>, H.Y., </a:t>
+            </a:r>
+            <a:r>
+              <a:rPr lang="en-US" sz="1200" b="0" i="0" dirty="0" err="1">
+                <a:solidFill>
+                  <a:srgbClr val="2E414F"/>
+                </a:solidFill>
+                <a:effectLst/>
+                <a:hlinkClick r:id="rId2"/>
+              </a:rPr>
+              <a:t>Tinopi</a:t>
+            </a:r>
+            <a:r>
+              <a:rPr lang="en-US" sz="1200" b="0" i="0" dirty="0">
+                <a:solidFill>
+                  <a:srgbClr val="2E414F"/>
+                </a:solidFill>
+                <a:effectLst/>
+                <a:hlinkClick r:id="rId2"/>
+              </a:rPr>
+              <a:t>, K., Agama, R.I., Negeri, K., &amp; Raya, P. (2023). Engaging Presence of Constructivism Philosophy in and through Management of Christian Education: Reflective Investigation. </a:t>
+            </a:r>
+            <a:r>
+              <a:rPr lang="en-US" sz="1200" b="0" i="1" dirty="0">
+                <a:solidFill>
+                  <a:srgbClr val="2E414F"/>
+                </a:solidFill>
+                <a:effectLst/>
+                <a:hlinkClick r:id="rId2"/>
+              </a:rPr>
+              <a:t>Journal of Scientific Research, Education, and Technology (JSRET)</a:t>
+            </a:r>
+            <a:r>
+              <a:rPr lang="en-US" sz="1200" b="0" i="0" dirty="0">
+                <a:solidFill>
+                  <a:srgbClr val="2E414F"/>
+                </a:solidFill>
+                <a:effectLst/>
+                <a:hlinkClick r:id="rId2"/>
+              </a:rPr>
+              <a:t>.</a:t>
+            </a:r>
+            <a:endParaRPr lang="en-US" sz="1200" dirty="0"/>
+          </a:p>
+        </p:txBody>
+      </p:sp>
+      <p:sp>
+        <p:nvSpPr>
+          <p:cNvPr id="4" name="TextBox 3">
+            <a:extLst>
+              <a:ext uri="{FF2B5EF4-FFF2-40B4-BE49-F238E27FC236}">
+                <a16:creationId xmlns:a16="http://schemas.microsoft.com/office/drawing/2014/main" id="{6E74CC02-F47A-7A0A-C430-09F385492AAA}"/>
+              </a:ext>
+            </a:extLst>
+          </p:cNvPr>
+          <p:cNvSpPr txBox="1"/>
+          <p:nvPr/>
+        </p:nvSpPr>
+        <p:spPr>
+          <a:xfrm>
+            <a:off x="318083" y="1845578"/>
+            <a:ext cx="11258723" cy="461665"/>
+          </a:xfrm>
+          <a:prstGeom prst="rect">
+            <a:avLst/>
+          </a:prstGeom>
+          <a:noFill/>
+        </p:spPr>
+        <p:txBody>
+          <a:bodyPr wrap="square" rtlCol="0">
+            <a:spAutoFit/>
+          </a:bodyPr>
+          <a:lstStyle/>
+          <a:p>
+            <a:r>
+              <a:rPr lang="en-US" sz="1200" dirty="0" err="1">
+                <a:hlinkClick r:id="rId3"/>
+              </a:rPr>
+              <a:t>Walad</a:t>
+            </a:r>
+            <a:r>
+              <a:rPr lang="en-US" sz="1200" dirty="0">
+                <a:hlinkClick r:id="rId3"/>
+              </a:rPr>
+              <a:t>, Muzakkir &amp; </a:t>
+            </a:r>
+            <a:r>
+              <a:rPr lang="en-US" sz="1200" dirty="0" err="1">
+                <a:hlinkClick r:id="rId3"/>
+              </a:rPr>
+              <a:t>Suastra</a:t>
+            </a:r>
+            <a:r>
+              <a:rPr lang="en-US" sz="1200" dirty="0">
+                <a:hlinkClick r:id="rId3"/>
+              </a:rPr>
+              <a:t>, Wayan &amp; Nasri, </a:t>
+            </a:r>
+            <a:r>
+              <a:rPr lang="en-US" sz="1200" dirty="0" err="1">
+                <a:hlinkClick r:id="rId3"/>
+              </a:rPr>
+              <a:t>Ulyan</a:t>
+            </a:r>
+            <a:r>
+              <a:rPr lang="en-US" sz="1200" dirty="0">
+                <a:hlinkClick r:id="rId3"/>
+              </a:rPr>
+              <a:t> &amp; </a:t>
+            </a:r>
+            <a:r>
+              <a:rPr lang="en-US" sz="1200" dirty="0" err="1">
+                <a:hlinkClick r:id="rId3"/>
+              </a:rPr>
+              <a:t>Manap</a:t>
+            </a:r>
+            <a:r>
+              <a:rPr lang="en-US" sz="1200" dirty="0">
+                <a:hlinkClick r:id="rId3"/>
+              </a:rPr>
+              <a:t>, Abdul. (2024). Independent Curriculum Analysis from Constructivism and Ki Hajar </a:t>
+            </a:r>
+            <a:r>
+              <a:rPr lang="en-US" sz="1200" dirty="0" err="1">
+                <a:hlinkClick r:id="rId3"/>
+              </a:rPr>
+              <a:t>Dewantara</a:t>
+            </a:r>
+            <a:r>
+              <a:rPr lang="en-US" sz="1200" dirty="0">
+                <a:hlinkClick r:id="rId3"/>
+              </a:rPr>
+              <a:t> Philosophy Perspective. </a:t>
+            </a:r>
+            <a:r>
+              <a:rPr lang="en-US" sz="1200" dirty="0" err="1">
+                <a:hlinkClick r:id="rId3"/>
+              </a:rPr>
+              <a:t>Jurnal</a:t>
+            </a:r>
+            <a:r>
+              <a:rPr lang="en-US" sz="1200" dirty="0">
+                <a:hlinkClick r:id="rId3"/>
+              </a:rPr>
+              <a:t> </a:t>
+            </a:r>
+            <a:r>
+              <a:rPr lang="en-US" sz="1200" dirty="0" err="1">
+                <a:hlinkClick r:id="rId3"/>
+              </a:rPr>
+              <a:t>Ilmiah</a:t>
+            </a:r>
+            <a:r>
+              <a:rPr lang="en-US" sz="1200" dirty="0">
+                <a:hlinkClick r:id="rId3"/>
+              </a:rPr>
+              <a:t> </a:t>
+            </a:r>
+            <a:r>
+              <a:rPr lang="en-US" sz="1200" dirty="0" err="1">
+                <a:hlinkClick r:id="rId3"/>
+              </a:rPr>
+              <a:t>Profesi</a:t>
+            </a:r>
+            <a:r>
+              <a:rPr lang="en-US" sz="1200" dirty="0">
+                <a:hlinkClick r:id="rId3"/>
+              </a:rPr>
+              <a:t> Pendidikan. 9. 221-228. 10.29303/jipp.v9i1.1915. </a:t>
+            </a:r>
+            <a:endParaRPr lang="en-US" sz="1200" dirty="0"/>
+          </a:p>
+        </p:txBody>
+      </p:sp>
+      <p:sp>
+        <p:nvSpPr>
+          <p:cNvPr id="6" name="TextBox 5">
+            <a:extLst>
+              <a:ext uri="{FF2B5EF4-FFF2-40B4-BE49-F238E27FC236}">
+                <a16:creationId xmlns:a16="http://schemas.microsoft.com/office/drawing/2014/main" id="{1130EA58-B252-E5F4-95E2-41F4E5E3ADF8}"/>
+              </a:ext>
+            </a:extLst>
+          </p:cNvPr>
+          <p:cNvSpPr txBox="1"/>
+          <p:nvPr/>
+        </p:nvSpPr>
+        <p:spPr>
+          <a:xfrm>
+            <a:off x="259360" y="2548495"/>
+            <a:ext cx="11493616" cy="461665"/>
+          </a:xfrm>
+          <a:prstGeom prst="rect">
+            <a:avLst/>
+          </a:prstGeom>
+          <a:noFill/>
+        </p:spPr>
+        <p:txBody>
+          <a:bodyPr wrap="square">
+            <a:spAutoFit/>
+          </a:bodyPr>
+          <a:lstStyle/>
+          <a:p>
+            <a:r>
+              <a:rPr lang="en-US" sz="1200" dirty="0">
+                <a:hlinkClick r:id="rId4"/>
+              </a:rPr>
+              <a:t>Burns, Margie &amp; Bally, Jill &amp; Burles, Meridith &amp; </a:t>
+            </a:r>
+            <a:r>
+              <a:rPr lang="en-US" sz="1200" dirty="0" err="1">
+                <a:hlinkClick r:id="rId4"/>
+              </a:rPr>
+              <a:t>Holtslander</a:t>
+            </a:r>
+            <a:r>
+              <a:rPr lang="en-US" sz="1200" dirty="0">
+                <a:hlinkClick r:id="rId4"/>
+              </a:rPr>
+              <a:t>, Lorraine &amp; Peacock, Shelley. (2022). Constructivist Grounded Theory or Interpretive Phenomenology? Methodological Choices Within Specific Study Contexts. International Journal of Qualitative Methods. 21. 160940692210777. 10.1177/16094069221077758. </a:t>
+            </a:r>
+            <a:endParaRPr lang="en-US" sz="1200" dirty="0"/>
+          </a:p>
+        </p:txBody>
+      </p:sp>
+      <p:sp>
+        <p:nvSpPr>
+          <p:cNvPr id="8" name="TextBox 7">
+            <a:extLst>
+              <a:ext uri="{FF2B5EF4-FFF2-40B4-BE49-F238E27FC236}">
+                <a16:creationId xmlns:a16="http://schemas.microsoft.com/office/drawing/2014/main" id="{6892EEA9-D867-C29D-54DC-54DF37752B95}"/>
+              </a:ext>
+            </a:extLst>
+          </p:cNvPr>
+          <p:cNvSpPr txBox="1"/>
+          <p:nvPr/>
+        </p:nvSpPr>
+        <p:spPr>
+          <a:xfrm>
+            <a:off x="259360" y="3202673"/>
+            <a:ext cx="11082556" cy="276999"/>
+          </a:xfrm>
+          <a:prstGeom prst="rect">
+            <a:avLst/>
+          </a:prstGeom>
+          <a:noFill/>
+        </p:spPr>
+        <p:txBody>
+          <a:bodyPr wrap="square">
+            <a:spAutoFit/>
+          </a:bodyPr>
+          <a:lstStyle/>
+          <a:p>
+            <a:r>
+              <a:rPr lang="en-US" sz="1200" dirty="0" err="1">
+                <a:hlinkClick r:id="rId5"/>
+              </a:rPr>
+              <a:t>Mogashoa</a:t>
+            </a:r>
+            <a:r>
+              <a:rPr lang="en-US" sz="1200" dirty="0">
+                <a:hlinkClick r:id="rId5"/>
+              </a:rPr>
+              <a:t>, Tebogo. (2014). Applicability of Constructivist Theory in Qualitative Educational Research. </a:t>
+            </a:r>
+            <a:endParaRPr lang="en-US" sz="1200" dirty="0"/>
+          </a:p>
+        </p:txBody>
+      </p:sp>
+    </p:spTree>
+    <p:extLst>
+      <p:ext uri="{BB962C8B-B14F-4D97-AF65-F5344CB8AC3E}">
+        <p14:creationId xmlns:p14="http://schemas.microsoft.com/office/powerpoint/2010/main" val="2084305105"/>
+      </p:ext>
+    </p:extLst>
+  </p:cSld>
+  <p:clrMapOvr>
+    <a:masterClrMapping/>
+  </p:clrMapOvr>
+</p:sld>
+</file>
+
 <file path=ppt/theme/theme1.xml><?xml version="1.0" encoding="utf-8"?>
 <a:theme xmlns:a="http://schemas.openxmlformats.org/drawingml/2006/main" name="Office Theme">
   <a:themeElements>
